--- a/Class Presentation.pptx
+++ b/Class Presentation.pptx
@@ -5,13 +5,24 @@
     <p:sldMasterId id="2147483662" r:id="rId1"/>
   </p:sldMasterIdLst>
   <p:notesMasterIdLst>
-    <p:notesMasterId r:id="rId6"/>
+    <p:notesMasterId r:id="rId17"/>
   </p:notesMasterIdLst>
   <p:sldIdLst>
     <p:sldId id="333" r:id="rId2"/>
     <p:sldId id="335" r:id="rId3"/>
     <p:sldId id="334" r:id="rId4"/>
-    <p:sldId id="336" r:id="rId5"/>
+    <p:sldId id="337" r:id="rId5"/>
+    <p:sldId id="336" r:id="rId6"/>
+    <p:sldId id="339" r:id="rId7"/>
+    <p:sldId id="348" r:id="rId8"/>
+    <p:sldId id="340" r:id="rId9"/>
+    <p:sldId id="341" r:id="rId10"/>
+    <p:sldId id="342" r:id="rId11"/>
+    <p:sldId id="343" r:id="rId12"/>
+    <p:sldId id="344" r:id="rId13"/>
+    <p:sldId id="346" r:id="rId14"/>
+    <p:sldId id="347" r:id="rId15"/>
+    <p:sldId id="345" r:id="rId16"/>
   </p:sldIdLst>
   <p:sldSz cx="9144000" cy="6858000" type="screen4x3"/>
   <p:notesSz cx="6858000" cy="9144000"/>
@@ -110,6 +121,11 @@
       </a:defRPr>
     </a:lvl9pPr>
   </p:defaultTextStyle>
+  <p:extLst>
+    <p:ext uri="{EFAFB233-063F-42B5-8137-9DF3F51BA10A}">
+      <p15:sldGuideLst xmlns:p15="http://schemas.microsoft.com/office/powerpoint/2012/main"/>
+    </p:ext>
+  </p:extLst>
 </p:presentation>
 </file>
 
@@ -195,7 +211,7 @@
           <a:p>
             <a:fld id="{BDCA0C74-F5B1-4C91-B4A9-421D99BB5DC7}" type="datetimeFigureOut">
               <a:rPr lang="en-US" smtClean="0"/>
-              <a:t>3/9/2019</a:t>
+              <a:t>3/11/2019</a:t>
             </a:fld>
             <a:endParaRPr lang="en-US"/>
           </a:p>
@@ -593,7 +609,7 @@
           <a:p>
             <a:fld id="{EB55C61E-4B3A-4111-9060-63E3F09B7AB5}" type="datetimeFigureOut">
               <a:rPr lang="en-US" smtClean="0"/>
-              <a:t>3/9/2019</a:t>
+              <a:t>3/11/2019</a:t>
             </a:fld>
             <a:endParaRPr lang="en-US"/>
           </a:p>
@@ -899,7 +915,7 @@
           <a:p>
             <a:fld id="{EB55C61E-4B3A-4111-9060-63E3F09B7AB5}" type="datetimeFigureOut">
               <a:rPr lang="en-US" smtClean="0"/>
-              <a:t>3/9/2019</a:t>
+              <a:t>3/11/2019</a:t>
             </a:fld>
             <a:endParaRPr lang="en-US"/>
           </a:p>
@@ -1171,7 +1187,7 @@
           <a:p>
             <a:fld id="{EB55C61E-4B3A-4111-9060-63E3F09B7AB5}" type="datetimeFigureOut">
               <a:rPr lang="en-US" smtClean="0"/>
-              <a:t>3/9/2019</a:t>
+              <a:t>3/11/2019</a:t>
             </a:fld>
             <a:endParaRPr lang="en-US"/>
           </a:p>
@@ -1538,7 +1554,7 @@
           <a:p>
             <a:fld id="{EB55C61E-4B3A-4111-9060-63E3F09B7AB5}" type="datetimeFigureOut">
               <a:rPr lang="en-US" smtClean="0"/>
-              <a:t>3/9/2019</a:t>
+              <a:t>3/11/2019</a:t>
             </a:fld>
             <a:endParaRPr lang="en-US"/>
           </a:p>
@@ -1655,7 +1671,7 @@
           <a:p>
             <a:fld id="{EB55C61E-4B3A-4111-9060-63E3F09B7AB5}" type="datetimeFigureOut">
               <a:rPr lang="en-US" smtClean="0"/>
-              <a:t>3/9/2019</a:t>
+              <a:t>3/11/2019</a:t>
             </a:fld>
             <a:endParaRPr lang="en-US"/>
           </a:p>
@@ -1932,7 +1948,7 @@
           <a:p>
             <a:fld id="{EB55C61E-4B3A-4111-9060-63E3F09B7AB5}" type="datetimeFigureOut">
               <a:rPr lang="en-US" smtClean="0"/>
-              <a:t>3/9/2019</a:t>
+              <a:t>3/11/2019</a:t>
             </a:fld>
             <a:endParaRPr lang="en-US"/>
           </a:p>
@@ -2459,7 +2475,7 @@
           <a:p>
             <a:fld id="{EB55C61E-4B3A-4111-9060-63E3F09B7AB5}" type="datetimeFigureOut">
               <a:rPr lang="en-US" smtClean="0"/>
-              <a:t>3/9/2019</a:t>
+              <a:t>3/11/2019</a:t>
             </a:fld>
             <a:endParaRPr lang="en-US"/>
           </a:p>
@@ -3703,7 +3719,7 @@
           <a:p>
             <a:fld id="{EB55C61E-4B3A-4111-9060-63E3F09B7AB5}" type="datetimeFigureOut">
               <a:rPr lang="en-US" smtClean="0"/>
-              <a:t>3/9/2019</a:t>
+              <a:t>3/11/2019</a:t>
             </a:fld>
             <a:endParaRPr lang="en-US"/>
           </a:p>
@@ -4495,6 +4511,490 @@
 </p:sld>
 </file>
 
+<file path=ppt/slides/slide10.xml><?xml version="1.0" encoding="utf-8"?>
+<p:sld xmlns:a="http://schemas.openxmlformats.org/drawingml/2006/main" xmlns:r="http://schemas.openxmlformats.org/officeDocument/2006/relationships" xmlns:p="http://schemas.openxmlformats.org/presentationml/2006/main">
+  <p:cSld>
+    <p:spTree>
+      <p:nvGrpSpPr>
+        <p:cNvPr id="1" name=""/>
+        <p:cNvGrpSpPr/>
+        <p:nvPr/>
+      </p:nvGrpSpPr>
+      <p:grpSpPr>
+        <a:xfrm>
+          <a:off x="0" y="0"/>
+          <a:ext cx="0" cy="0"/>
+          <a:chOff x="0" y="0"/>
+          <a:chExt cx="0" cy="0"/>
+        </a:xfrm>
+      </p:grpSpPr>
+      <p:sp>
+        <p:nvSpPr>
+          <p:cNvPr id="4" name="Title 3">
+            <a:extLst>
+              <a:ext uri="{FF2B5EF4-FFF2-40B4-BE49-F238E27FC236}">
+                <a16:creationId xmlns:a16="http://schemas.microsoft.com/office/drawing/2014/main" id="{026981E4-1EE9-4A27-B20F-D308BAA5608E}"/>
+              </a:ext>
+            </a:extLst>
+          </p:cNvPr>
+          <p:cNvSpPr>
+            <a:spLocks noGrp="1"/>
+          </p:cNvSpPr>
+          <p:nvPr>
+            <p:ph type="title"/>
+          </p:nvPr>
+        </p:nvSpPr>
+        <p:spPr/>
+        <p:txBody>
+          <a:bodyPr>
+            <a:normAutofit/>
+          </a:bodyPr>
+          <a:lstStyle/>
+          <a:p>
+            <a:r>
+              <a:rPr lang="en-US" b="1" dirty="0">
+                <a:solidFill>
+                  <a:schemeClr val="accent4"/>
+                </a:solidFill>
+              </a:rPr>
+              <a:t>Unsupervised Learning:</a:t>
+            </a:r>
+            <a:br>
+              <a:rPr lang="en-US" b="1" dirty="0">
+                <a:solidFill>
+                  <a:schemeClr val="accent4"/>
+                </a:solidFill>
+              </a:rPr>
+            </a:br>
+            <a:r>
+              <a:rPr lang="en-US" b="1" dirty="0">
+                <a:solidFill>
+                  <a:schemeClr val="accent4"/>
+                </a:solidFill>
+              </a:rPr>
+              <a:t>Cluster Analysis</a:t>
+            </a:r>
+          </a:p>
+        </p:txBody>
+      </p:sp>
+    </p:spTree>
+    <p:extLst>
+      <p:ext uri="{BB962C8B-B14F-4D97-AF65-F5344CB8AC3E}">
+        <p14:creationId xmlns:p14="http://schemas.microsoft.com/office/powerpoint/2010/main" val="2856606598"/>
+      </p:ext>
+    </p:extLst>
+  </p:cSld>
+  <p:clrMapOvr>
+    <a:masterClrMapping/>
+  </p:clrMapOvr>
+</p:sld>
+</file>
+
+<file path=ppt/slides/slide11.xml><?xml version="1.0" encoding="utf-8"?>
+<p:sld xmlns:a="http://schemas.openxmlformats.org/drawingml/2006/main" xmlns:r="http://schemas.openxmlformats.org/officeDocument/2006/relationships" xmlns:p="http://schemas.openxmlformats.org/presentationml/2006/main">
+  <p:cSld>
+    <p:spTree>
+      <p:nvGrpSpPr>
+        <p:cNvPr id="1" name=""/>
+        <p:cNvGrpSpPr/>
+        <p:nvPr/>
+      </p:nvGrpSpPr>
+      <p:grpSpPr>
+        <a:xfrm>
+          <a:off x="0" y="0"/>
+          <a:ext cx="0" cy="0"/>
+          <a:chOff x="0" y="0"/>
+          <a:chExt cx="0" cy="0"/>
+        </a:xfrm>
+      </p:grpSpPr>
+      <p:sp>
+        <p:nvSpPr>
+          <p:cNvPr id="2" name="Title 1">
+            <a:extLst>
+              <a:ext uri="{FF2B5EF4-FFF2-40B4-BE49-F238E27FC236}">
+                <a16:creationId xmlns:a16="http://schemas.microsoft.com/office/drawing/2014/main" id="{FFCDEED4-BA55-47EB-A423-DFA702237131}"/>
+              </a:ext>
+            </a:extLst>
+          </p:cNvPr>
+          <p:cNvSpPr>
+            <a:spLocks noGrp="1"/>
+          </p:cNvSpPr>
+          <p:nvPr>
+            <p:ph type="title"/>
+          </p:nvPr>
+        </p:nvSpPr>
+        <p:spPr/>
+        <p:txBody>
+          <a:bodyPr>
+            <a:normAutofit fontScale="90000"/>
+          </a:bodyPr>
+          <a:lstStyle/>
+          <a:p>
+            <a:r>
+              <a:rPr lang="en-US" dirty="0"/>
+              <a:t>[summarize work done on cluster analysis]</a:t>
+            </a:r>
+          </a:p>
+        </p:txBody>
+      </p:sp>
+      <p:sp>
+        <p:nvSpPr>
+          <p:cNvPr id="3" name="Text Placeholder 2">
+            <a:extLst>
+              <a:ext uri="{FF2B5EF4-FFF2-40B4-BE49-F238E27FC236}">
+                <a16:creationId xmlns:a16="http://schemas.microsoft.com/office/drawing/2014/main" id="{4D8C7242-A8A9-4DE0-8B49-309F761E9993}"/>
+              </a:ext>
+            </a:extLst>
+          </p:cNvPr>
+          <p:cNvSpPr>
+            <a:spLocks noGrp="1"/>
+          </p:cNvSpPr>
+          <p:nvPr>
+            <p:ph type="body" idx="1"/>
+          </p:nvPr>
+        </p:nvSpPr>
+        <p:spPr/>
+        <p:txBody>
+          <a:bodyPr/>
+          <a:lstStyle/>
+          <a:p>
+            <a:r>
+              <a:rPr lang="en-US" dirty="0"/>
+              <a:t>[describe method used and package]</a:t>
+            </a:r>
+          </a:p>
+          <a:p>
+            <a:endParaRPr lang="en-US" dirty="0"/>
+          </a:p>
+        </p:txBody>
+      </p:sp>
+    </p:spTree>
+    <p:extLst>
+      <p:ext uri="{BB962C8B-B14F-4D97-AF65-F5344CB8AC3E}">
+        <p14:creationId xmlns:p14="http://schemas.microsoft.com/office/powerpoint/2010/main" val="932906755"/>
+      </p:ext>
+    </p:extLst>
+  </p:cSld>
+  <p:clrMapOvr>
+    <a:masterClrMapping/>
+  </p:clrMapOvr>
+</p:sld>
+</file>
+
+<file path=ppt/slides/slide12.xml><?xml version="1.0" encoding="utf-8"?>
+<p:sld xmlns:a="http://schemas.openxmlformats.org/drawingml/2006/main" xmlns:r="http://schemas.openxmlformats.org/officeDocument/2006/relationships" xmlns:p="http://schemas.openxmlformats.org/presentationml/2006/main">
+  <p:cSld>
+    <p:spTree>
+      <p:nvGrpSpPr>
+        <p:cNvPr id="1" name=""/>
+        <p:cNvGrpSpPr/>
+        <p:nvPr/>
+      </p:nvGrpSpPr>
+      <p:grpSpPr>
+        <a:xfrm>
+          <a:off x="0" y="0"/>
+          <a:ext cx="0" cy="0"/>
+          <a:chOff x="0" y="0"/>
+          <a:chExt cx="0" cy="0"/>
+        </a:xfrm>
+      </p:grpSpPr>
+      <p:sp>
+        <p:nvSpPr>
+          <p:cNvPr id="4" name="Title 3">
+            <a:extLst>
+              <a:ext uri="{FF2B5EF4-FFF2-40B4-BE49-F238E27FC236}">
+                <a16:creationId xmlns:a16="http://schemas.microsoft.com/office/drawing/2014/main" id="{026981E4-1EE9-4A27-B20F-D308BAA5608E}"/>
+              </a:ext>
+            </a:extLst>
+          </p:cNvPr>
+          <p:cNvSpPr>
+            <a:spLocks noGrp="1"/>
+          </p:cNvSpPr>
+          <p:nvPr>
+            <p:ph type="title"/>
+          </p:nvPr>
+        </p:nvSpPr>
+        <p:spPr/>
+        <p:txBody>
+          <a:bodyPr>
+            <a:normAutofit/>
+          </a:bodyPr>
+          <a:lstStyle/>
+          <a:p>
+            <a:r>
+              <a:rPr lang="en-US" b="1" dirty="0">
+                <a:solidFill>
+                  <a:schemeClr val="accent4"/>
+                </a:solidFill>
+              </a:rPr>
+              <a:t>Supervised Learning: Modeling Tips</a:t>
+            </a:r>
+          </a:p>
+        </p:txBody>
+      </p:sp>
+    </p:spTree>
+    <p:extLst>
+      <p:ext uri="{BB962C8B-B14F-4D97-AF65-F5344CB8AC3E}">
+        <p14:creationId xmlns:p14="http://schemas.microsoft.com/office/powerpoint/2010/main" val="3167236040"/>
+      </p:ext>
+    </p:extLst>
+  </p:cSld>
+  <p:clrMapOvr>
+    <a:masterClrMapping/>
+  </p:clrMapOvr>
+</p:sld>
+</file>
+
+<file path=ppt/slides/slide13.xml><?xml version="1.0" encoding="utf-8"?>
+<p:sld xmlns:a="http://schemas.openxmlformats.org/drawingml/2006/main" xmlns:r="http://schemas.openxmlformats.org/officeDocument/2006/relationships" xmlns:p="http://schemas.openxmlformats.org/presentationml/2006/main">
+  <p:cSld>
+    <p:spTree>
+      <p:nvGrpSpPr>
+        <p:cNvPr id="1" name=""/>
+        <p:cNvGrpSpPr/>
+        <p:nvPr/>
+      </p:nvGrpSpPr>
+      <p:grpSpPr>
+        <a:xfrm>
+          <a:off x="0" y="0"/>
+          <a:ext cx="0" cy="0"/>
+          <a:chOff x="0" y="0"/>
+          <a:chExt cx="0" cy="0"/>
+        </a:xfrm>
+      </p:grpSpPr>
+      <p:sp>
+        <p:nvSpPr>
+          <p:cNvPr id="2" name="Title 1">
+            <a:extLst>
+              <a:ext uri="{FF2B5EF4-FFF2-40B4-BE49-F238E27FC236}">
+                <a16:creationId xmlns:a16="http://schemas.microsoft.com/office/drawing/2014/main" id="{FFCDEED4-BA55-47EB-A423-DFA702237131}"/>
+              </a:ext>
+            </a:extLst>
+          </p:cNvPr>
+          <p:cNvSpPr>
+            <a:spLocks noGrp="1"/>
+          </p:cNvSpPr>
+          <p:nvPr>
+            <p:ph type="title"/>
+          </p:nvPr>
+        </p:nvSpPr>
+        <p:spPr/>
+        <p:txBody>
+          <a:bodyPr>
+            <a:normAutofit/>
+          </a:bodyPr>
+          <a:lstStyle/>
+          <a:p>
+            <a:r>
+              <a:rPr lang="en-US" dirty="0"/>
+              <a:t>Hypothesis</a:t>
+            </a:r>
+          </a:p>
+        </p:txBody>
+      </p:sp>
+      <p:sp>
+        <p:nvSpPr>
+          <p:cNvPr id="3" name="Text Placeholder 2">
+            <a:extLst>
+              <a:ext uri="{FF2B5EF4-FFF2-40B4-BE49-F238E27FC236}">
+                <a16:creationId xmlns:a16="http://schemas.microsoft.com/office/drawing/2014/main" id="{4D8C7242-A8A9-4DE0-8B49-309F761E9993}"/>
+              </a:ext>
+            </a:extLst>
+          </p:cNvPr>
+          <p:cNvSpPr>
+            <a:spLocks noGrp="1"/>
+          </p:cNvSpPr>
+          <p:nvPr>
+            <p:ph type="body" idx="1"/>
+          </p:nvPr>
+        </p:nvSpPr>
+        <p:spPr/>
+        <p:txBody>
+          <a:bodyPr>
+            <a:normAutofit fontScale="92500" lnSpcReduction="20000"/>
+          </a:bodyPr>
+          <a:lstStyle/>
+          <a:p>
+            <a:r>
+              <a:rPr lang="en-US" dirty="0"/>
+              <a:t>By building a model that predicts tips using actionable factors we can try to isolate profitable driver strategies.</a:t>
+            </a:r>
+          </a:p>
+          <a:p>
+            <a:endParaRPr lang="en-US" dirty="0"/>
+          </a:p>
+        </p:txBody>
+      </p:sp>
+    </p:spTree>
+    <p:extLst>
+      <p:ext uri="{BB962C8B-B14F-4D97-AF65-F5344CB8AC3E}">
+        <p14:creationId xmlns:p14="http://schemas.microsoft.com/office/powerpoint/2010/main" val="2106051720"/>
+      </p:ext>
+    </p:extLst>
+  </p:cSld>
+  <p:clrMapOvr>
+    <a:masterClrMapping/>
+  </p:clrMapOvr>
+</p:sld>
+</file>
+
+<file path=ppt/slides/slide14.xml><?xml version="1.0" encoding="utf-8"?>
+<p:sld xmlns:a="http://schemas.openxmlformats.org/drawingml/2006/main" xmlns:r="http://schemas.openxmlformats.org/officeDocument/2006/relationships" xmlns:p="http://schemas.openxmlformats.org/presentationml/2006/main">
+  <p:cSld>
+    <p:spTree>
+      <p:nvGrpSpPr>
+        <p:cNvPr id="1" name=""/>
+        <p:cNvGrpSpPr/>
+        <p:nvPr/>
+      </p:nvGrpSpPr>
+      <p:grpSpPr>
+        <a:xfrm>
+          <a:off x="0" y="0"/>
+          <a:ext cx="0" cy="0"/>
+          <a:chOff x="0" y="0"/>
+          <a:chExt cx="0" cy="0"/>
+        </a:xfrm>
+      </p:grpSpPr>
+      <p:sp>
+        <p:nvSpPr>
+          <p:cNvPr id="2" name="Title 1">
+            <a:extLst>
+              <a:ext uri="{FF2B5EF4-FFF2-40B4-BE49-F238E27FC236}">
+                <a16:creationId xmlns:a16="http://schemas.microsoft.com/office/drawing/2014/main" id="{FFCDEED4-BA55-47EB-A423-DFA702237131}"/>
+              </a:ext>
+            </a:extLst>
+          </p:cNvPr>
+          <p:cNvSpPr>
+            <a:spLocks noGrp="1"/>
+          </p:cNvSpPr>
+          <p:nvPr>
+            <p:ph type="title"/>
+          </p:nvPr>
+        </p:nvSpPr>
+        <p:spPr/>
+        <p:txBody>
+          <a:bodyPr>
+            <a:normAutofit/>
+          </a:bodyPr>
+          <a:lstStyle/>
+          <a:p>
+            <a:r>
+              <a:rPr lang="en-US" dirty="0"/>
+              <a:t>First Model</a:t>
+            </a:r>
+          </a:p>
+        </p:txBody>
+      </p:sp>
+      <p:sp>
+        <p:nvSpPr>
+          <p:cNvPr id="3" name="Text Placeholder 2">
+            <a:extLst>
+              <a:ext uri="{FF2B5EF4-FFF2-40B4-BE49-F238E27FC236}">
+                <a16:creationId xmlns:a16="http://schemas.microsoft.com/office/drawing/2014/main" id="{4D8C7242-A8A9-4DE0-8B49-309F761E9993}"/>
+              </a:ext>
+            </a:extLst>
+          </p:cNvPr>
+          <p:cNvSpPr>
+            <a:spLocks noGrp="1"/>
+          </p:cNvSpPr>
+          <p:nvPr>
+            <p:ph type="body" idx="1"/>
+          </p:nvPr>
+        </p:nvSpPr>
+        <p:spPr/>
+        <p:txBody>
+          <a:bodyPr>
+            <a:normAutofit/>
+          </a:bodyPr>
+          <a:lstStyle/>
+          <a:p>
+            <a:r>
+              <a:rPr lang="en-US" dirty="0"/>
+              <a:t>Decision tree </a:t>
+            </a:r>
+          </a:p>
+          <a:p>
+            <a:endParaRPr lang="en-US" dirty="0"/>
+          </a:p>
+        </p:txBody>
+      </p:sp>
+    </p:spTree>
+    <p:extLst>
+      <p:ext uri="{BB962C8B-B14F-4D97-AF65-F5344CB8AC3E}">
+        <p14:creationId xmlns:p14="http://schemas.microsoft.com/office/powerpoint/2010/main" val="2520820187"/>
+      </p:ext>
+    </p:extLst>
+  </p:cSld>
+  <p:clrMapOvr>
+    <a:masterClrMapping/>
+  </p:clrMapOvr>
+</p:sld>
+</file>
+
+<file path=ppt/slides/slide15.xml><?xml version="1.0" encoding="utf-8"?>
+<p:sld xmlns:a="http://schemas.openxmlformats.org/drawingml/2006/main" xmlns:r="http://schemas.openxmlformats.org/officeDocument/2006/relationships" xmlns:p="http://schemas.openxmlformats.org/presentationml/2006/main">
+  <p:cSld>
+    <p:spTree>
+      <p:nvGrpSpPr>
+        <p:cNvPr id="1" name=""/>
+        <p:cNvGrpSpPr/>
+        <p:nvPr/>
+      </p:nvGrpSpPr>
+      <p:grpSpPr>
+        <a:xfrm>
+          <a:off x="0" y="0"/>
+          <a:ext cx="0" cy="0"/>
+          <a:chOff x="0" y="0"/>
+          <a:chExt cx="0" cy="0"/>
+        </a:xfrm>
+      </p:grpSpPr>
+      <p:sp>
+        <p:nvSpPr>
+          <p:cNvPr id="4" name="Title 3">
+            <a:extLst>
+              <a:ext uri="{FF2B5EF4-FFF2-40B4-BE49-F238E27FC236}">
+                <a16:creationId xmlns:a16="http://schemas.microsoft.com/office/drawing/2014/main" id="{026981E4-1EE9-4A27-B20F-D308BAA5608E}"/>
+              </a:ext>
+            </a:extLst>
+          </p:cNvPr>
+          <p:cNvSpPr>
+            <a:spLocks noGrp="1"/>
+          </p:cNvSpPr>
+          <p:nvPr>
+            <p:ph type="title"/>
+          </p:nvPr>
+        </p:nvSpPr>
+        <p:spPr/>
+        <p:txBody>
+          <a:bodyPr>
+            <a:normAutofit/>
+          </a:bodyPr>
+          <a:lstStyle/>
+          <a:p>
+            <a:r>
+              <a:rPr lang="en-US" b="1" dirty="0">
+                <a:solidFill>
+                  <a:schemeClr val="accent4"/>
+                </a:solidFill>
+              </a:rPr>
+              <a:t>Supervised Learning: Modeling Tips</a:t>
+            </a:r>
+          </a:p>
+        </p:txBody>
+      </p:sp>
+    </p:spTree>
+    <p:extLst>
+      <p:ext uri="{BB962C8B-B14F-4D97-AF65-F5344CB8AC3E}">
+        <p14:creationId xmlns:p14="http://schemas.microsoft.com/office/powerpoint/2010/main" val="599103452"/>
+      </p:ext>
+    </p:extLst>
+  </p:cSld>
+  <p:clrMapOvr>
+    <a:masterClrMapping/>
+  </p:clrMapOvr>
+</p:sld>
+</file>
+
 <file path=ppt/slides/slide2.xml><?xml version="1.0" encoding="utf-8"?>
 <p:sld xmlns:a="http://schemas.openxmlformats.org/drawingml/2006/main" xmlns:r="http://schemas.openxmlformats.org/officeDocument/2006/relationships" xmlns:p="http://schemas.openxmlformats.org/presentationml/2006/main">
   <p:cSld>
@@ -4599,7 +5099,7 @@
           <a:p>
             <a:r>
               <a:rPr lang="en-US" dirty="0"/>
-              <a:t>Two Datasets</a:t>
+              <a:t>Chicago Taxi Trip Dataset</a:t>
             </a:r>
           </a:p>
         </p:txBody>
@@ -4620,24 +5120,71 @@
             <p:ph type="body" idx="1"/>
           </p:nvPr>
         </p:nvSpPr>
-        <p:spPr/>
-        <p:txBody>
-          <a:bodyPr/>
+        <p:spPr>
+          <a:xfrm>
+            <a:off x="623870" y="1263763"/>
+            <a:ext cx="8261400" cy="4793277"/>
+          </a:xfrm>
+        </p:spPr>
+        <p:txBody>
+          <a:bodyPr>
+            <a:normAutofit/>
+          </a:bodyPr>
           <a:lstStyle/>
           <a:p>
             <a:r>
               <a:rPr lang="en-US" dirty="0"/>
-              <a:t>Chicago Taxi Cab Rides</a:t>
+              <a:t>113M Taxi Cab Trips </a:t>
             </a:r>
           </a:p>
           <a:p>
             <a:r>
               <a:rPr lang="en-US" dirty="0"/>
-              <a:t>Chicago CCA Data</a:t>
-            </a:r>
-          </a:p>
-        </p:txBody>
-      </p:sp>
+              <a:t>Covers period from Jan 2013 through Sept 2016</a:t>
+            </a:r>
+          </a:p>
+          <a:p>
+            <a:r>
+              <a:rPr lang="en-US" dirty="0"/>
+              <a:t>23 Variables </a:t>
+            </a:r>
+            <a:r>
+              <a:rPr lang="en-US" sz="1600" dirty="0"/>
+              <a:t>(Taxi ID, Start/End Date-Time, Duration, Distance, Pickup/Dropoff CCA (2 of 10 location variables), Fare, Tips, Tolls, Extras, Total, Payment Type, Company)</a:t>
+            </a:r>
+          </a:p>
+        </p:txBody>
+      </p:sp>
+      <p:pic>
+        <p:nvPicPr>
+          <p:cNvPr id="2" name="Picture 1">
+            <a:extLst>
+              <a:ext uri="{FF2B5EF4-FFF2-40B4-BE49-F238E27FC236}">
+                <a16:creationId xmlns:a16="http://schemas.microsoft.com/office/drawing/2014/main" id="{99757F0B-5143-468A-AA2D-974B75A5BAB8}"/>
+              </a:ext>
+            </a:extLst>
+          </p:cNvPr>
+          <p:cNvPicPr>
+            <a:picLocks noChangeAspect="1"/>
+          </p:cNvPicPr>
+          <p:nvPr/>
+        </p:nvPicPr>
+        <p:blipFill>
+          <a:blip r:embed="rId2"/>
+          <a:stretch>
+            <a:fillRect/>
+          </a:stretch>
+        </p:blipFill>
+        <p:spPr>
+          <a:xfrm>
+            <a:off x="3167214" y="4069983"/>
+            <a:ext cx="5686246" cy="2068420"/>
+          </a:xfrm>
+          <a:prstGeom prst="rect">
+            <a:avLst/>
+          </a:prstGeom>
+        </p:spPr>
+      </p:pic>
     </p:spTree>
     <p:extLst>
       <p:ext uri="{BB962C8B-B14F-4D97-AF65-F5344CB8AC3E}">
@@ -4670,6 +5217,91 @@
       </p:grpSpPr>
       <p:sp>
         <p:nvSpPr>
+          <p:cNvPr id="2" name="Title 1">
+            <a:extLst>
+              <a:ext uri="{FF2B5EF4-FFF2-40B4-BE49-F238E27FC236}">
+                <a16:creationId xmlns:a16="http://schemas.microsoft.com/office/drawing/2014/main" id="{FFCDEED4-BA55-47EB-A423-DFA702237131}"/>
+              </a:ext>
+            </a:extLst>
+          </p:cNvPr>
+          <p:cNvSpPr>
+            <a:spLocks noGrp="1"/>
+          </p:cNvSpPr>
+          <p:nvPr>
+            <p:ph type="title"/>
+          </p:nvPr>
+        </p:nvSpPr>
+        <p:spPr/>
+        <p:txBody>
+          <a:bodyPr>
+            <a:normAutofit fontScale="90000"/>
+          </a:bodyPr>
+          <a:lstStyle/>
+          <a:p>
+            <a:r>
+              <a:rPr lang="en-US" dirty="0"/>
+              <a:t>CCA (Chicago Community Area) Dataset</a:t>
+            </a:r>
+          </a:p>
+        </p:txBody>
+      </p:sp>
+      <p:sp>
+        <p:nvSpPr>
+          <p:cNvPr id="3" name="Text Placeholder 2">
+            <a:extLst>
+              <a:ext uri="{FF2B5EF4-FFF2-40B4-BE49-F238E27FC236}">
+                <a16:creationId xmlns:a16="http://schemas.microsoft.com/office/drawing/2014/main" id="{4D8C7242-A8A9-4DE0-8B49-309F761E9993}"/>
+              </a:ext>
+            </a:extLst>
+          </p:cNvPr>
+          <p:cNvSpPr>
+            <a:spLocks noGrp="1"/>
+          </p:cNvSpPr>
+          <p:nvPr>
+            <p:ph type="body" idx="1"/>
+          </p:nvPr>
+        </p:nvSpPr>
+        <p:spPr/>
+        <p:txBody>
+          <a:bodyPr/>
+          <a:lstStyle/>
+          <a:p>
+            <a:endParaRPr lang="en-US" dirty="0"/>
+          </a:p>
+        </p:txBody>
+      </p:sp>
+    </p:spTree>
+    <p:extLst>
+      <p:ext uri="{BB962C8B-B14F-4D97-AF65-F5344CB8AC3E}">
+        <p14:creationId xmlns:p14="http://schemas.microsoft.com/office/powerpoint/2010/main" val="2865323392"/>
+      </p:ext>
+    </p:extLst>
+  </p:cSld>
+  <p:clrMapOvr>
+    <a:masterClrMapping/>
+  </p:clrMapOvr>
+</p:sld>
+</file>
+
+<file path=ppt/slides/slide5.xml><?xml version="1.0" encoding="utf-8"?>
+<p:sld xmlns:a="http://schemas.openxmlformats.org/drawingml/2006/main" xmlns:r="http://schemas.openxmlformats.org/officeDocument/2006/relationships" xmlns:p="http://schemas.openxmlformats.org/presentationml/2006/main">
+  <p:cSld>
+    <p:spTree>
+      <p:nvGrpSpPr>
+        <p:cNvPr id="1" name=""/>
+        <p:cNvGrpSpPr/>
+        <p:nvPr/>
+      </p:nvGrpSpPr>
+      <p:grpSpPr>
+        <a:xfrm>
+          <a:off x="0" y="0"/>
+          <a:ext cx="0" cy="0"/>
+          <a:chOff x="0" y="0"/>
+          <a:chExt cx="0" cy="0"/>
+        </a:xfrm>
+      </p:grpSpPr>
+      <p:sp>
+        <p:nvSpPr>
           <p:cNvPr id="4" name="Title 3">
             <a:extLst>
               <a:ext uri="{FF2B5EF4-FFF2-40B4-BE49-F238E27FC236}">
@@ -4697,7 +5329,7 @@
                   <a:schemeClr val="accent4"/>
                 </a:solidFill>
               </a:rPr>
-              <a:t>Data Analysis</a:t>
+              <a:t>Data Cleaning and Exploration</a:t>
             </a:r>
           </a:p>
         </p:txBody>
@@ -4706,6 +5338,341 @@
     <p:extLst>
       <p:ext uri="{BB962C8B-B14F-4D97-AF65-F5344CB8AC3E}">
         <p14:creationId xmlns:p14="http://schemas.microsoft.com/office/powerpoint/2010/main" val="2452164180"/>
+      </p:ext>
+    </p:extLst>
+  </p:cSld>
+  <p:clrMapOvr>
+    <a:masterClrMapping/>
+  </p:clrMapOvr>
+</p:sld>
+</file>
+
+<file path=ppt/slides/slide6.xml><?xml version="1.0" encoding="utf-8"?>
+<p:sld xmlns:a="http://schemas.openxmlformats.org/drawingml/2006/main" xmlns:r="http://schemas.openxmlformats.org/officeDocument/2006/relationships" xmlns:p="http://schemas.openxmlformats.org/presentationml/2006/main">
+  <p:cSld>
+    <p:spTree>
+      <p:nvGrpSpPr>
+        <p:cNvPr id="1" name=""/>
+        <p:cNvGrpSpPr/>
+        <p:nvPr/>
+      </p:nvGrpSpPr>
+      <p:grpSpPr>
+        <a:xfrm>
+          <a:off x="0" y="0"/>
+          <a:ext cx="0" cy="0"/>
+          <a:chOff x="0" y="0"/>
+          <a:chExt cx="0" cy="0"/>
+        </a:xfrm>
+      </p:grpSpPr>
+      <p:sp>
+        <p:nvSpPr>
+          <p:cNvPr id="2" name="Title 1">
+            <a:extLst>
+              <a:ext uri="{FF2B5EF4-FFF2-40B4-BE49-F238E27FC236}">
+                <a16:creationId xmlns:a16="http://schemas.microsoft.com/office/drawing/2014/main" id="{FFCDEED4-BA55-47EB-A423-DFA702237131}"/>
+              </a:ext>
+            </a:extLst>
+          </p:cNvPr>
+          <p:cNvSpPr>
+            <a:spLocks noGrp="1"/>
+          </p:cNvSpPr>
+          <p:nvPr>
+            <p:ph type="title"/>
+          </p:nvPr>
+        </p:nvSpPr>
+        <p:spPr/>
+        <p:txBody>
+          <a:bodyPr>
+            <a:normAutofit fontScale="90000"/>
+          </a:bodyPr>
+          <a:lstStyle/>
+          <a:p>
+            <a:r>
+              <a:rPr lang="en-US" dirty="0"/>
+              <a:t>[Describe fields added, modified, dropped, or filtered]</a:t>
+            </a:r>
+          </a:p>
+        </p:txBody>
+      </p:sp>
+      <p:sp>
+        <p:nvSpPr>
+          <p:cNvPr id="3" name="Text Placeholder 2">
+            <a:extLst>
+              <a:ext uri="{FF2B5EF4-FFF2-40B4-BE49-F238E27FC236}">
+                <a16:creationId xmlns:a16="http://schemas.microsoft.com/office/drawing/2014/main" id="{4D8C7242-A8A9-4DE0-8B49-309F761E9993}"/>
+              </a:ext>
+            </a:extLst>
+          </p:cNvPr>
+          <p:cNvSpPr>
+            <a:spLocks noGrp="1"/>
+          </p:cNvSpPr>
+          <p:nvPr>
+            <p:ph type="body" idx="1"/>
+          </p:nvPr>
+        </p:nvSpPr>
+        <p:spPr/>
+        <p:txBody>
+          <a:bodyPr/>
+          <a:lstStyle/>
+          <a:p>
+            <a:endParaRPr lang="en-US" dirty="0"/>
+          </a:p>
+        </p:txBody>
+      </p:sp>
+    </p:spTree>
+    <p:extLst>
+      <p:ext uri="{BB962C8B-B14F-4D97-AF65-F5344CB8AC3E}">
+        <p14:creationId xmlns:p14="http://schemas.microsoft.com/office/powerpoint/2010/main" val="2200335929"/>
+      </p:ext>
+    </p:extLst>
+  </p:cSld>
+  <p:clrMapOvr>
+    <a:masterClrMapping/>
+  </p:clrMapOvr>
+</p:sld>
+</file>
+
+<file path=ppt/slides/slide7.xml><?xml version="1.0" encoding="utf-8"?>
+<p:sld xmlns:a="http://schemas.openxmlformats.org/drawingml/2006/main" xmlns:r="http://schemas.openxmlformats.org/officeDocument/2006/relationships" xmlns:p="http://schemas.openxmlformats.org/presentationml/2006/main">
+  <p:cSld>
+    <p:spTree>
+      <p:nvGrpSpPr>
+        <p:cNvPr id="1" name=""/>
+        <p:cNvGrpSpPr/>
+        <p:nvPr/>
+      </p:nvGrpSpPr>
+      <p:grpSpPr>
+        <a:xfrm>
+          <a:off x="0" y="0"/>
+          <a:ext cx="0" cy="0"/>
+          <a:chOff x="0" y="0"/>
+          <a:chExt cx="0" cy="0"/>
+        </a:xfrm>
+      </p:grpSpPr>
+      <p:sp>
+        <p:nvSpPr>
+          <p:cNvPr id="2" name="Title 1">
+            <a:extLst>
+              <a:ext uri="{FF2B5EF4-FFF2-40B4-BE49-F238E27FC236}">
+                <a16:creationId xmlns:a16="http://schemas.microsoft.com/office/drawing/2014/main" id="{BCA10E54-203F-4CAC-96D3-EBE8C05A78D7}"/>
+              </a:ext>
+            </a:extLst>
+          </p:cNvPr>
+          <p:cNvSpPr>
+            <a:spLocks noGrp="1"/>
+          </p:cNvSpPr>
+          <p:nvPr>
+            <p:ph type="title"/>
+          </p:nvPr>
+        </p:nvSpPr>
+        <p:spPr/>
+        <p:txBody>
+          <a:bodyPr>
+            <a:normAutofit/>
+          </a:bodyPr>
+          <a:lstStyle/>
+          <a:p>
+            <a:r>
+              <a:rPr lang="en-US" dirty="0"/>
+              <a:t>[Describe stats on some factors]</a:t>
+            </a:r>
+          </a:p>
+        </p:txBody>
+      </p:sp>
+      <p:sp>
+        <p:nvSpPr>
+          <p:cNvPr id="3" name="Text Placeholder 2">
+            <a:extLst>
+              <a:ext uri="{FF2B5EF4-FFF2-40B4-BE49-F238E27FC236}">
+                <a16:creationId xmlns:a16="http://schemas.microsoft.com/office/drawing/2014/main" id="{4252CA89-55AF-488B-931D-669FAA9042E1}"/>
+              </a:ext>
+            </a:extLst>
+          </p:cNvPr>
+          <p:cNvSpPr>
+            <a:spLocks noGrp="1"/>
+          </p:cNvSpPr>
+          <p:nvPr>
+            <p:ph type="body" idx="1"/>
+          </p:nvPr>
+        </p:nvSpPr>
+        <p:spPr/>
+        <p:txBody>
+          <a:bodyPr>
+            <a:normAutofit fontScale="92500"/>
+          </a:bodyPr>
+          <a:lstStyle/>
+          <a:p>
+            <a:r>
+              <a:rPr lang="en-US" dirty="0"/>
+              <a:t>[Include notes on number of companies, rides per company, number of trips per pickup/</a:t>
+            </a:r>
+            <a:r>
+              <a:rPr lang="en-US" dirty="0" err="1"/>
+              <a:t>dropoff</a:t>
+            </a:r>
+            <a:r>
+              <a:rPr lang="en-US" dirty="0"/>
+              <a:t> area]</a:t>
+            </a:r>
+          </a:p>
+        </p:txBody>
+      </p:sp>
+    </p:spTree>
+    <p:extLst>
+      <p:ext uri="{BB962C8B-B14F-4D97-AF65-F5344CB8AC3E}">
+        <p14:creationId xmlns:p14="http://schemas.microsoft.com/office/powerpoint/2010/main" val="1269787506"/>
+      </p:ext>
+    </p:extLst>
+  </p:cSld>
+  <p:clrMapOvr>
+    <a:masterClrMapping/>
+  </p:clrMapOvr>
+</p:sld>
+</file>
+
+<file path=ppt/slides/slide8.xml><?xml version="1.0" encoding="utf-8"?>
+<p:sld xmlns:a="http://schemas.openxmlformats.org/drawingml/2006/main" xmlns:r="http://schemas.openxmlformats.org/officeDocument/2006/relationships" xmlns:p="http://schemas.openxmlformats.org/presentationml/2006/main">
+  <p:cSld>
+    <p:spTree>
+      <p:nvGrpSpPr>
+        <p:cNvPr id="1" name=""/>
+        <p:cNvGrpSpPr/>
+        <p:nvPr/>
+      </p:nvGrpSpPr>
+      <p:grpSpPr>
+        <a:xfrm>
+          <a:off x="0" y="0"/>
+          <a:ext cx="0" cy="0"/>
+          <a:chOff x="0" y="0"/>
+          <a:chExt cx="0" cy="0"/>
+        </a:xfrm>
+      </p:grpSpPr>
+      <p:sp>
+        <p:nvSpPr>
+          <p:cNvPr id="2" name="Title 1">
+            <a:extLst>
+              <a:ext uri="{FF2B5EF4-FFF2-40B4-BE49-F238E27FC236}">
+                <a16:creationId xmlns:a16="http://schemas.microsoft.com/office/drawing/2014/main" id="{FFCDEED4-BA55-47EB-A423-DFA702237131}"/>
+              </a:ext>
+            </a:extLst>
+          </p:cNvPr>
+          <p:cNvSpPr>
+            <a:spLocks noGrp="1"/>
+          </p:cNvSpPr>
+          <p:nvPr>
+            <p:ph type="title"/>
+          </p:nvPr>
+        </p:nvSpPr>
+        <p:spPr/>
+        <p:txBody>
+          <a:bodyPr>
+            <a:normAutofit/>
+          </a:bodyPr>
+          <a:lstStyle/>
+          <a:p>
+            <a:r>
+              <a:rPr lang="en-US" dirty="0"/>
+              <a:t>Deciding on an initial sample size</a:t>
+            </a:r>
+          </a:p>
+        </p:txBody>
+      </p:sp>
+      <p:sp>
+        <p:nvSpPr>
+          <p:cNvPr id="3" name="Text Placeholder 2">
+            <a:extLst>
+              <a:ext uri="{FF2B5EF4-FFF2-40B4-BE49-F238E27FC236}">
+                <a16:creationId xmlns:a16="http://schemas.microsoft.com/office/drawing/2014/main" id="{4D8C7242-A8A9-4DE0-8B49-309F761E9993}"/>
+              </a:ext>
+            </a:extLst>
+          </p:cNvPr>
+          <p:cNvSpPr>
+            <a:spLocks noGrp="1"/>
+          </p:cNvSpPr>
+          <p:nvPr>
+            <p:ph type="body" idx="1"/>
+          </p:nvPr>
+        </p:nvSpPr>
+        <p:spPr/>
+        <p:txBody>
+          <a:bodyPr/>
+          <a:lstStyle/>
+          <a:p>
+            <a:r>
+              <a:rPr lang="en-US" dirty="0"/>
+              <a:t>[Describe analysis of unique cab IDs as a function of sample size.]</a:t>
+            </a:r>
+          </a:p>
+        </p:txBody>
+      </p:sp>
+    </p:spTree>
+    <p:extLst>
+      <p:ext uri="{BB962C8B-B14F-4D97-AF65-F5344CB8AC3E}">
+        <p14:creationId xmlns:p14="http://schemas.microsoft.com/office/powerpoint/2010/main" val="1463300027"/>
+      </p:ext>
+    </p:extLst>
+  </p:cSld>
+  <p:clrMapOvr>
+    <a:masterClrMapping/>
+  </p:clrMapOvr>
+</p:sld>
+</file>
+
+<file path=ppt/slides/slide9.xml><?xml version="1.0" encoding="utf-8"?>
+<p:sld xmlns:a="http://schemas.openxmlformats.org/drawingml/2006/main" xmlns:r="http://schemas.openxmlformats.org/officeDocument/2006/relationships" xmlns:p="http://schemas.openxmlformats.org/presentationml/2006/main">
+  <p:cSld>
+    <p:spTree>
+      <p:nvGrpSpPr>
+        <p:cNvPr id="1" name=""/>
+        <p:cNvGrpSpPr/>
+        <p:nvPr/>
+      </p:nvGrpSpPr>
+      <p:grpSpPr>
+        <a:xfrm>
+          <a:off x="0" y="0"/>
+          <a:ext cx="0" cy="0"/>
+          <a:chOff x="0" y="0"/>
+          <a:chExt cx="0" cy="0"/>
+        </a:xfrm>
+      </p:grpSpPr>
+      <p:sp>
+        <p:nvSpPr>
+          <p:cNvPr id="4" name="Title 3">
+            <a:extLst>
+              <a:ext uri="{FF2B5EF4-FFF2-40B4-BE49-F238E27FC236}">
+                <a16:creationId xmlns:a16="http://schemas.microsoft.com/office/drawing/2014/main" id="{026981E4-1EE9-4A27-B20F-D308BAA5608E}"/>
+              </a:ext>
+            </a:extLst>
+          </p:cNvPr>
+          <p:cNvSpPr>
+            <a:spLocks noGrp="1"/>
+          </p:cNvSpPr>
+          <p:nvPr>
+            <p:ph type="title"/>
+          </p:nvPr>
+        </p:nvSpPr>
+        <p:spPr/>
+        <p:txBody>
+          <a:bodyPr>
+            <a:normAutofit/>
+          </a:bodyPr>
+          <a:lstStyle/>
+          <a:p>
+            <a:r>
+              <a:rPr lang="en-US" b="1" dirty="0">
+                <a:solidFill>
+                  <a:schemeClr val="accent4"/>
+                </a:solidFill>
+              </a:rPr>
+              <a:t>Data Analysis</a:t>
+            </a:r>
+          </a:p>
+        </p:txBody>
+      </p:sp>
+    </p:spTree>
+    <p:extLst>
+      <p:ext uri="{BB962C8B-B14F-4D97-AF65-F5344CB8AC3E}">
+        <p14:creationId xmlns:p14="http://schemas.microsoft.com/office/powerpoint/2010/main" val="3851085899"/>
       </p:ext>
     </p:extLst>
   </p:cSld>
